--- a/paper/Figure 2/figure 2 3-11-15.pptx
+++ b/paper/Figure 2/figure 2 3-11-15.pptx
@@ -5,13 +5,12 @@
     <p:sldMasterId id="2147483648" r:id="rId1"/>
   </p:sldMasterIdLst>
   <p:notesMasterIdLst>
-    <p:notesMasterId r:id="rId6"/>
+    <p:notesMasterId r:id="rId5"/>
   </p:notesMasterIdLst>
   <p:sldIdLst>
     <p:sldId id="259" r:id="rId2"/>
     <p:sldId id="257" r:id="rId3"/>
-    <p:sldId id="258" r:id="rId4"/>
-    <p:sldId id="260" r:id="rId5"/>
+    <p:sldId id="260" r:id="rId4"/>
   </p:sldIdLst>
   <p:sldSz cx="9144000" cy="6858000" type="screen4x3"/>
   <p:notesSz cx="6858000" cy="9144000"/>
@@ -21031,230 +21030,6 @@
           <a:chExt cx="0" cy="0"/>
         </a:xfrm>
       </p:grpSpPr>
-      <p:sp>
-        <p:nvSpPr>
-          <p:cNvPr id="2" name="TextBox 1"/>
-          <p:cNvSpPr txBox="1"/>
-          <p:nvPr/>
-        </p:nvSpPr>
-        <p:spPr>
-          <a:xfrm>
-            <a:off x="1752600" y="1447800"/>
-            <a:ext cx="4724400" cy="1754326"/>
-          </a:xfrm>
-          <a:prstGeom prst="rect">
-            <a:avLst/>
-          </a:prstGeom>
-          <a:noFill/>
-        </p:spPr>
-        <p:txBody>
-          <a:bodyPr wrap="square" rtlCol="0">
-            <a:spAutoFit/>
-          </a:bodyPr>
-          <a:lstStyle/>
-          <a:p>
-            <a:r>
-              <a:rPr lang="en-US" dirty="0"/>
-              <a:t>[</a:t>
-            </a:r>
-            <a:r>
-              <a:rPr lang="en-US" dirty="0" smtClean="0"/>
-              <a:t>0.1496,0.2536,0.4361,0.3333,0.9801,0.5861], </a:t>
-            </a:r>
-          </a:p>
-          <a:p>
-            <a:r>
-              <a:rPr lang="en-US" dirty="0" smtClean="0"/>
-              <a:t>[0.6656,</a:t>
-            </a:r>
-            <a:r>
-              <a:rPr lang="en-US" dirty="0" smtClean="0">
-                <a:solidFill>
-                  <a:srgbClr val="FF0000"/>
-                </a:solidFill>
-              </a:rPr>
-              <a:t>0.0508,0.0266</a:t>
-            </a:r>
-            <a:r>
-              <a:rPr lang="en-US" dirty="0" smtClean="0"/>
-              <a:t>,0.2619,0.5673,0.1307], </a:t>
-            </a:r>
-          </a:p>
-          <a:p>
-            <a:r>
-              <a:rPr lang="en-US" dirty="0" smtClean="0"/>
-              <a:t>[0.4139,</a:t>
-            </a:r>
-            <a:r>
-              <a:rPr lang="en-US" dirty="0" smtClean="0">
-                <a:solidFill>
-                  <a:srgbClr val="FF0000"/>
-                </a:solidFill>
-              </a:rPr>
-              <a:t>0.0049,0.0332</a:t>
-            </a:r>
-            <a:r>
-              <a:rPr lang="en-US" dirty="0" smtClean="0"/>
-              <a:t>,0.1164,0.1084,0.2449], </a:t>
-            </a:r>
-          </a:p>
-          <a:p>
-            <a:r>
-              <a:rPr lang="en-US" dirty="0" smtClean="0"/>
-              <a:t>[0.9856,0.7057,0.8107,0.9412,0.7830,0.2704]</a:t>
-            </a:r>
-          </a:p>
-          <a:p>
-            <a:endParaRPr lang="en-US" dirty="0"/>
-          </a:p>
-          <a:p>
-            <a:r>
-              <a:rPr lang="en-US" dirty="0" smtClean="0"/>
-              <a:t>0-150 </a:t>
-            </a:r>
-            <a:r>
-              <a:rPr lang="en-US" dirty="0" err="1" smtClean="0"/>
-              <a:t>ms</a:t>
-            </a:r>
-            <a:r>
-              <a:rPr lang="en-US" dirty="0" smtClean="0"/>
-              <a:t> window</a:t>
-            </a:r>
-            <a:endParaRPr lang="en-US" dirty="0"/>
-          </a:p>
-        </p:txBody>
-      </p:sp>
-      <p:sp>
-        <p:nvSpPr>
-          <p:cNvPr id="3" name="TextBox 2"/>
-          <p:cNvSpPr txBox="1"/>
-          <p:nvPr/>
-        </p:nvSpPr>
-        <p:spPr>
-          <a:xfrm>
-            <a:off x="1638300" y="3933731"/>
-            <a:ext cx="4953000" cy="2031325"/>
-          </a:xfrm>
-          <a:prstGeom prst="rect">
-            <a:avLst/>
-          </a:prstGeom>
-          <a:noFill/>
-        </p:spPr>
-        <p:txBody>
-          <a:bodyPr wrap="square" rtlCol="0">
-            <a:spAutoFit/>
-          </a:bodyPr>
-          <a:lstStyle/>
-          <a:p>
-            <a:r>
-              <a:rPr lang="en-US" dirty="0"/>
-              <a:t>[</a:t>
-            </a:r>
-            <a:r>
-              <a:rPr lang="en-US" dirty="0" smtClean="0"/>
-              <a:t>0.1627,0.1254,0.6833,0.2250,0.5929,0.9054], </a:t>
-            </a:r>
-            <a:r>
-              <a:rPr lang="en-US" dirty="0"/>
-              <a:t>[</a:t>
-            </a:r>
-            <a:r>
-              <a:rPr lang="en-US" dirty="0" smtClean="0"/>
-              <a:t>0.8266,</a:t>
-            </a:r>
-            <a:r>
-              <a:rPr lang="en-US" dirty="0" smtClean="0">
-                <a:solidFill>
-                  <a:srgbClr val="FF0000"/>
-                </a:solidFill>
-              </a:rPr>
-              <a:t>0.0392,0.0160,</a:t>
-            </a:r>
-            <a:r>
-              <a:rPr lang="en-US" dirty="0" smtClean="0"/>
-              <a:t>0.1139,0.8856,0.1543], </a:t>
-            </a:r>
-            <a:r>
-              <a:rPr lang="en-US" dirty="0"/>
-              <a:t>[</a:t>
-            </a:r>
-            <a:r>
-              <a:rPr lang="en-US" dirty="0" smtClean="0"/>
-              <a:t>0.4223,</a:t>
-            </a:r>
-            <a:r>
-              <a:rPr lang="en-US" dirty="0" smtClean="0">
-                <a:solidFill>
-                  <a:srgbClr val="FF0000"/>
-                </a:solidFill>
-              </a:rPr>
-              <a:t>0.0324</a:t>
-            </a:r>
-            <a:r>
-              <a:rPr lang="en-US" dirty="0" smtClean="0"/>
-              <a:t>,0.0816,0.1256,0.2046,0.2706], </a:t>
-            </a:r>
-            <a:r>
-              <a:rPr lang="en-US" dirty="0"/>
-              <a:t>[</a:t>
-            </a:r>
-            <a:r>
-              <a:rPr lang="en-US" dirty="0" smtClean="0"/>
-              <a:t>0.3390,0.7139,0.7930,0.4116,0.9081,0.3737]</a:t>
-            </a:r>
-          </a:p>
-          <a:p>
-            <a:endParaRPr lang="en-US" dirty="0"/>
-          </a:p>
-          <a:p>
-            <a:r>
-              <a:rPr lang="en-US" dirty="0" smtClean="0"/>
-              <a:t>50-150 </a:t>
-            </a:r>
-            <a:r>
-              <a:rPr lang="en-US" dirty="0" err="1"/>
-              <a:t>ms</a:t>
-            </a:r>
-            <a:r>
-              <a:rPr lang="en-US" dirty="0"/>
-              <a:t> window</a:t>
-            </a:r>
-          </a:p>
-          <a:p>
-            <a:endParaRPr lang="en-US" dirty="0"/>
-          </a:p>
-        </p:txBody>
-      </p:sp>
-    </p:spTree>
-    <p:extLst>
-      <p:ext uri="{BB962C8B-B14F-4D97-AF65-F5344CB8AC3E}">
-        <p14:creationId xmlns:p14="http://schemas.microsoft.com/office/powerpoint/2010/main" val="1179691343"/>
-      </p:ext>
-    </p:extLst>
-  </p:cSld>
-  <p:clrMapOvr>
-    <a:masterClrMapping/>
-  </p:clrMapOvr>
-</p:sld>
-</file>
-
-<file path=ppt/slides/slide4.xml><?xml version="1.0" encoding="utf-8"?>
-<p:sld xmlns:a="http://schemas.openxmlformats.org/drawingml/2006/main" xmlns:r="http://schemas.openxmlformats.org/officeDocument/2006/relationships" xmlns:p="http://schemas.openxmlformats.org/presentationml/2006/main">
-  <p:cSld>
-    <p:spTree>
-      <p:nvGrpSpPr>
-        <p:cNvPr id="1" name=""/>
-        <p:cNvGrpSpPr/>
-        <p:nvPr/>
-      </p:nvGrpSpPr>
-      <p:grpSpPr>
-        <a:xfrm>
-          <a:off x="0" y="0"/>
-          <a:ext cx="0" cy="0"/>
-          <a:chOff x="0" y="0"/>
-          <a:chExt cx="0" cy="0"/>
-        </a:xfrm>
-      </p:grpSpPr>
     </p:spTree>
     <p:extLst>
       <p:ext uri="{BB962C8B-B14F-4D97-AF65-F5344CB8AC3E}">
